--- a/img/pivot_longer_diagram.pptx
+++ b/img/pivot_longer_diagram.pptx
@@ -107,6 +107,11 @@
       </a:defRPr>
     </a:lvl9pPr>
   </p:defaultTextStyle>
+  <p:extLst>
+    <p:ext uri="{EFAFB233-063F-42B5-8137-9DF3F51BA10A}">
+      <p15:sldGuideLst xmlns:p15="http://schemas.microsoft.com/office/powerpoint/2012/main"/>
+    </p:ext>
+  </p:extLst>
 </p:presentation>
 </file>
 
@@ -192,7 +197,7 @@
           <a:p>
             <a:fld id="{170D5FDB-D03A-2E43-9B88-EA3C1EE0BEBC}" type="datetimeFigureOut">
               <a:rPr lang="en-US" smtClean="0"/>
-              <a:t>10/21/20</a:t>
+              <a:t>10/26/20</a:t>
             </a:fld>
             <a:endParaRPr lang="en-US"/>
           </a:p>
@@ -674,7 +679,7 @@
           <a:p>
             <a:fld id="{474D065E-8568-CD47-9BD0-EC5C132A36C5}" type="datetimeFigureOut">
               <a:rPr lang="en-US" smtClean="0"/>
-              <a:t>10/21/20</a:t>
+              <a:t>10/26/20</a:t>
             </a:fld>
             <a:endParaRPr lang="en-US"/>
           </a:p>
@@ -844,7 +849,7 @@
           <a:p>
             <a:fld id="{474D065E-8568-CD47-9BD0-EC5C132A36C5}" type="datetimeFigureOut">
               <a:rPr lang="en-US" smtClean="0"/>
-              <a:t>10/21/20</a:t>
+              <a:t>10/26/20</a:t>
             </a:fld>
             <a:endParaRPr lang="en-US"/>
           </a:p>
@@ -1024,7 +1029,7 @@
           <a:p>
             <a:fld id="{474D065E-8568-CD47-9BD0-EC5C132A36C5}" type="datetimeFigureOut">
               <a:rPr lang="en-US" smtClean="0"/>
-              <a:t>10/21/20</a:t>
+              <a:t>10/26/20</a:t>
             </a:fld>
             <a:endParaRPr lang="en-US"/>
           </a:p>
@@ -1194,7 +1199,7 @@
           <a:p>
             <a:fld id="{474D065E-8568-CD47-9BD0-EC5C132A36C5}" type="datetimeFigureOut">
               <a:rPr lang="en-US" smtClean="0"/>
-              <a:t>10/21/20</a:t>
+              <a:t>10/26/20</a:t>
             </a:fld>
             <a:endParaRPr lang="en-US"/>
           </a:p>
@@ -1440,7 +1445,7 @@
           <a:p>
             <a:fld id="{474D065E-8568-CD47-9BD0-EC5C132A36C5}" type="datetimeFigureOut">
               <a:rPr lang="en-US" smtClean="0"/>
-              <a:t>10/21/20</a:t>
+              <a:t>10/26/20</a:t>
             </a:fld>
             <a:endParaRPr lang="en-US"/>
           </a:p>
@@ -1672,7 +1677,7 @@
           <a:p>
             <a:fld id="{474D065E-8568-CD47-9BD0-EC5C132A36C5}" type="datetimeFigureOut">
               <a:rPr lang="en-US" smtClean="0"/>
-              <a:t>10/21/20</a:t>
+              <a:t>10/26/20</a:t>
             </a:fld>
             <a:endParaRPr lang="en-US"/>
           </a:p>
@@ -2039,7 +2044,7 @@
           <a:p>
             <a:fld id="{474D065E-8568-CD47-9BD0-EC5C132A36C5}" type="datetimeFigureOut">
               <a:rPr lang="en-US" smtClean="0"/>
-              <a:t>10/21/20</a:t>
+              <a:t>10/26/20</a:t>
             </a:fld>
             <a:endParaRPr lang="en-US"/>
           </a:p>
@@ -2157,7 +2162,7 @@
           <a:p>
             <a:fld id="{474D065E-8568-CD47-9BD0-EC5C132A36C5}" type="datetimeFigureOut">
               <a:rPr lang="en-US" smtClean="0"/>
-              <a:t>10/21/20</a:t>
+              <a:t>10/26/20</a:t>
             </a:fld>
             <a:endParaRPr lang="en-US"/>
           </a:p>
@@ -2252,7 +2257,7 @@
           <a:p>
             <a:fld id="{474D065E-8568-CD47-9BD0-EC5C132A36C5}" type="datetimeFigureOut">
               <a:rPr lang="en-US" smtClean="0"/>
-              <a:t>10/21/20</a:t>
+              <a:t>10/26/20</a:t>
             </a:fld>
             <a:endParaRPr lang="en-US"/>
           </a:p>
@@ -2529,7 +2534,7 @@
           <a:p>
             <a:fld id="{474D065E-8568-CD47-9BD0-EC5C132A36C5}" type="datetimeFigureOut">
               <a:rPr lang="en-US" smtClean="0"/>
-              <a:t>10/21/20</a:t>
+              <a:t>10/26/20</a:t>
             </a:fld>
             <a:endParaRPr lang="en-US"/>
           </a:p>
@@ -2786,7 +2791,7 @@
           <a:p>
             <a:fld id="{474D065E-8568-CD47-9BD0-EC5C132A36C5}" type="datetimeFigureOut">
               <a:rPr lang="en-US" smtClean="0"/>
-              <a:t>10/21/20</a:t>
+              <a:t>10/26/20</a:t>
             </a:fld>
             <a:endParaRPr lang="en-US"/>
           </a:p>
@@ -2999,7 +3004,7 @@
           <a:p>
             <a:fld id="{474D065E-8568-CD47-9BD0-EC5C132A36C5}" type="datetimeFigureOut">
               <a:rPr lang="en-US" smtClean="0"/>
-              <a:t>10/21/20</a:t>
+              <a:t>10/26/20</a:t>
             </a:fld>
             <a:endParaRPr lang="en-US"/>
           </a:p>
@@ -6310,7 +6315,7 @@
         </p:nvSpPr>
         <p:spPr>
           <a:xfrm>
-            <a:off x="5649249" y="2699427"/>
+            <a:off x="3825573" y="2614407"/>
             <a:ext cx="1681989" cy="307777"/>
           </a:xfrm>
           <a:prstGeom prst="rect">
@@ -7490,6 +7495,95 @@
               <a:latin typeface="Courier" pitchFamily="2" charset="0"/>
               <a:cs typeface="Courier New" panose="02070309020205020404" pitchFamily="49" charset="0"/>
             </a:endParaRPr>
+          </a:p>
+        </p:txBody>
+      </p:sp>
+      <p:sp>
+        <p:nvSpPr>
+          <p:cNvPr id="24" name="TextBox 23">
+            <a:extLst>
+              <a:ext uri="{FF2B5EF4-FFF2-40B4-BE49-F238E27FC236}">
+                <a16:creationId xmlns:a16="http://schemas.microsoft.com/office/drawing/2014/main" id="{7A81E6B6-A417-2B42-A26E-64530038E5B0}"/>
+              </a:ext>
+            </a:extLst>
+          </p:cNvPr>
+          <p:cNvSpPr txBox="1"/>
+          <p:nvPr/>
+        </p:nvSpPr>
+        <p:spPr>
+          <a:xfrm>
+            <a:off x="3524623" y="999332"/>
+            <a:ext cx="1681989" cy="307777"/>
+          </a:xfrm>
+          <a:prstGeom prst="rect">
+            <a:avLst/>
+          </a:prstGeom>
+          <a:noFill/>
+        </p:spPr>
+        <p:txBody>
+          <a:bodyPr wrap="square" rtlCol="0">
+            <a:spAutoFit/>
+          </a:bodyPr>
+          <a:lstStyle/>
+          <a:p>
+            <a:r>
+              <a:rPr lang="en-CA" sz="1400" dirty="0">
+                <a:solidFill>
+                  <a:srgbClr val="0070C0"/>
+                </a:solidFill>
+                <a:latin typeface="Courier" pitchFamily="2" charset="0"/>
+                <a:cs typeface="Courier New" panose="02070309020205020404" pitchFamily="49" charset="0"/>
+              </a:rPr>
+              <a:t>to</a:t>
+            </a:r>
+            <a:endParaRPr lang="en-US" sz="1400" dirty="0">
+              <a:latin typeface="Courier" pitchFamily="2" charset="0"/>
+              <a:cs typeface="Courier New" panose="02070309020205020404" pitchFamily="49" charset="0"/>
+            </a:endParaRPr>
+          </a:p>
+        </p:txBody>
+      </p:sp>
+      <p:sp>
+        <p:nvSpPr>
+          <p:cNvPr id="2" name="TextBox 1">
+            <a:extLst>
+              <a:ext uri="{FF2B5EF4-FFF2-40B4-BE49-F238E27FC236}">
+                <a16:creationId xmlns:a16="http://schemas.microsoft.com/office/drawing/2014/main" id="{ADFDCFE1-4448-E64A-9045-DB2189903A78}"/>
+              </a:ext>
+            </a:extLst>
+          </p:cNvPr>
+          <p:cNvSpPr txBox="1"/>
+          <p:nvPr/>
+        </p:nvSpPr>
+        <p:spPr>
+          <a:xfrm>
+            <a:off x="3154943" y="82171"/>
+            <a:ext cx="2834113" cy="400110"/>
+          </a:xfrm>
+          <a:prstGeom prst="rect">
+            <a:avLst/>
+          </a:prstGeom>
+          <a:noFill/>
+        </p:spPr>
+        <p:txBody>
+          <a:bodyPr wrap="square" rtlCol="0">
+            <a:spAutoFit/>
+          </a:bodyPr>
+          <a:lstStyle/>
+          <a:p>
+            <a:pPr algn="ctr"/>
+            <a:r>
+              <a:rPr lang="en-US" sz="2000" b="1" dirty="0" err="1">
+                <a:latin typeface="Courier" pitchFamily="2" charset="0"/>
+              </a:rPr>
+              <a:t>pivot_longer</a:t>
+            </a:r>
+            <a:r>
+              <a:rPr lang="en-US" sz="2000" b="1" dirty="0">
+                <a:latin typeface="Courier" pitchFamily="2" charset="0"/>
+              </a:rPr>
+              <a:t>()</a:t>
+            </a:r>
           </a:p>
         </p:txBody>
       </p:sp>
